--- a/FinalProject/FinalProjectSubmit.pptx
+++ b/FinalProject/FinalProjectSubmit.pptx
@@ -243,7 +243,7 @@
           <a:p>
             <a:fld id="{638D90FF-A81E-754F-A570-0F4520BDAFF0}" type="datetimeFigureOut">
               <a:rPr lang="en-US" smtClean="0"/>
-              <a:t>5/10/2016</a:t>
+              <a:t>5/11/2016</a:t>
             </a:fld>
             <a:endParaRPr lang="en-US"/>
           </a:p>
@@ -433,7 +433,7 @@
           <a:p>
             <a:fld id="{638D90FF-A81E-754F-A570-0F4520BDAFF0}" type="datetimeFigureOut">
               <a:rPr lang="en-US" smtClean="0"/>
-              <a:t>5/10/2016</a:t>
+              <a:t>5/11/2016</a:t>
             </a:fld>
             <a:endParaRPr lang="en-US"/>
           </a:p>
@@ -628,7 +628,7 @@
           <a:p>
             <a:fld id="{638D90FF-A81E-754F-A570-0F4520BDAFF0}" type="datetimeFigureOut">
               <a:rPr lang="en-US" smtClean="0"/>
-              <a:t>5/10/2016</a:t>
+              <a:t>5/11/2016</a:t>
             </a:fld>
             <a:endParaRPr lang="en-US"/>
           </a:p>
@@ -885,7 +885,7 @@
           <a:p>
             <a:fld id="{638D90FF-A81E-754F-A570-0F4520BDAFF0}" type="datetimeFigureOut">
               <a:rPr lang="en-US" smtClean="0"/>
-              <a:t>5/10/2016</a:t>
+              <a:t>5/11/2016</a:t>
             </a:fld>
             <a:endParaRPr lang="en-US"/>
           </a:p>
@@ -1152,7 +1152,7 @@
           <a:p>
             <a:fld id="{638D90FF-A81E-754F-A570-0F4520BDAFF0}" type="datetimeFigureOut">
               <a:rPr lang="en-US" smtClean="0"/>
-              <a:t>5/10/2016</a:t>
+              <a:t>5/11/2016</a:t>
             </a:fld>
             <a:endParaRPr lang="en-US"/>
           </a:p>
@@ -1347,7 +1347,7 @@
           <a:p>
             <a:fld id="{638D90FF-A81E-754F-A570-0F4520BDAFF0}" type="datetimeFigureOut">
               <a:rPr lang="en-US" smtClean="0"/>
-              <a:t>5/10/2016</a:t>
+              <a:t>5/11/2016</a:t>
             </a:fld>
             <a:endParaRPr lang="en-US"/>
           </a:p>
@@ -1554,7 +1554,7 @@
           <a:p>
             <a:fld id="{638D90FF-A81E-754F-A570-0F4520BDAFF0}" type="datetimeFigureOut">
               <a:rPr lang="en-US" smtClean="0"/>
-              <a:t>5/10/2016</a:t>
+              <a:t>5/11/2016</a:t>
             </a:fld>
             <a:endParaRPr lang="en-US"/>
           </a:p>
@@ -1857,7 +1857,7 @@
           <a:p>
             <a:fld id="{638D90FF-A81E-754F-A570-0F4520BDAFF0}" type="datetimeFigureOut">
               <a:rPr lang="en-US" smtClean="0"/>
-              <a:t>5/10/2016</a:t>
+              <a:t>5/11/2016</a:t>
             </a:fld>
             <a:endParaRPr lang="en-US"/>
           </a:p>
@@ -2299,7 +2299,7 @@
           <a:p>
             <a:fld id="{638D90FF-A81E-754F-A570-0F4520BDAFF0}" type="datetimeFigureOut">
               <a:rPr lang="en-US" smtClean="0"/>
-              <a:t>5/10/2016</a:t>
+              <a:t>5/11/2016</a:t>
             </a:fld>
             <a:endParaRPr lang="en-US"/>
           </a:p>
@@ -2432,7 +2432,7 @@
           <a:p>
             <a:fld id="{638D90FF-A81E-754F-A570-0F4520BDAFF0}" type="datetimeFigureOut">
               <a:rPr lang="en-US" smtClean="0"/>
-              <a:t>5/10/2016</a:t>
+              <a:t>5/11/2016</a:t>
             </a:fld>
             <a:endParaRPr lang="en-US"/>
           </a:p>
@@ -2542,7 +2542,7 @@
           <a:p>
             <a:fld id="{638D90FF-A81E-754F-A570-0F4520BDAFF0}" type="datetimeFigureOut">
               <a:rPr lang="en-US" smtClean="0"/>
-              <a:t>5/10/2016</a:t>
+              <a:t>5/11/2016</a:t>
             </a:fld>
             <a:endParaRPr lang="en-US"/>
           </a:p>
@@ -2834,7 +2834,7 @@
           <a:p>
             <a:fld id="{638D90FF-A81E-754F-A570-0F4520BDAFF0}" type="datetimeFigureOut">
               <a:rPr lang="en-US" smtClean="0"/>
-              <a:t>5/10/2016</a:t>
+              <a:t>5/11/2016</a:t>
             </a:fld>
             <a:endParaRPr lang="en-US"/>
           </a:p>
@@ -3106,7 +3106,7 @@
           <a:p>
             <a:fld id="{638D90FF-A81E-754F-A570-0F4520BDAFF0}" type="datetimeFigureOut">
               <a:rPr lang="en-US" smtClean="0"/>
-              <a:t>5/10/2016</a:t>
+              <a:t>5/11/2016</a:t>
             </a:fld>
             <a:endParaRPr lang="en-US"/>
           </a:p>
@@ -3272,17 +3272,17 @@
           <a:effectLst/>
           <a:extLst>
             <a:ext uri="{FAA26D3D-D897-4be2-8F04-BA451C77F1D7}">
-              <ma14:placeholderFlag xmlns="" xmlns:ma14="http://schemas.microsoft.com/office/mac/drawingml/2011/main" val="1"/>
+              <ma14:placeholderFlag xmlns:ma14="http://schemas.microsoft.com/office/mac/drawingml/2011/main" xmlns="" val="1"/>
             </a:ext>
             <a:ext uri="{909E8E84-426E-40dd-AFC4-6F175D3DCCD1}">
-              <a14:hiddenFill xmlns:a14="http://schemas.microsoft.com/office/drawing/2010/main" xmlns="">
+              <a14:hiddenFill xmlns="" xmlns:a14="http://schemas.microsoft.com/office/drawing/2010/main">
                 <a:solidFill>
                   <a:schemeClr val="accent1"/>
                 </a:solidFill>
               </a14:hiddenFill>
             </a:ext>
             <a:ext uri="{91240B29-F687-4f45-9708-019B960494DF}">
-              <a14:hiddenLine xmlns:a14="http://schemas.microsoft.com/office/drawing/2010/main" xmlns="" w="9525">
+              <a14:hiddenLine xmlns="" xmlns:a14="http://schemas.microsoft.com/office/drawing/2010/main" w="9525">
                 <a:solidFill>
                   <a:schemeClr val="tx1"/>
                 </a:solidFill>
@@ -3292,7 +3292,7 @@
               </a14:hiddenLine>
             </a:ext>
             <a:ext uri="{AF507438-7753-43e0-B8FC-AC1667EBCBE1}">
-              <a14:hiddenEffects xmlns:a14="http://schemas.microsoft.com/office/drawing/2010/main" xmlns="">
+              <a14:hiddenEffects xmlns="" xmlns:a14="http://schemas.microsoft.com/office/drawing/2010/main">
                 <a:effectLst>
                   <a:outerShdw blurRad="63500" dist="38099" dir="2700000" algn="ctr" rotWithShape="0">
                     <a:schemeClr val="bg2">
@@ -3374,17 +3374,17 @@
           <a:effectLst/>
           <a:extLst>
             <a:ext uri="{FAA26D3D-D897-4be2-8F04-BA451C77F1D7}">
-              <ma14:placeholderFlag xmlns="" xmlns:ma14="http://schemas.microsoft.com/office/mac/drawingml/2011/main" val="1"/>
+              <ma14:placeholderFlag xmlns:ma14="http://schemas.microsoft.com/office/mac/drawingml/2011/main" xmlns="" val="1"/>
             </a:ext>
             <a:ext uri="{909E8E84-426E-40dd-AFC4-6F175D3DCCD1}">
-              <a14:hiddenFill xmlns:a14="http://schemas.microsoft.com/office/drawing/2010/main" xmlns="">
+              <a14:hiddenFill xmlns="" xmlns:a14="http://schemas.microsoft.com/office/drawing/2010/main">
                 <a:solidFill>
                   <a:schemeClr val="accent1"/>
                 </a:solidFill>
               </a14:hiddenFill>
             </a:ext>
             <a:ext uri="{91240B29-F687-4f45-9708-019B960494DF}">
-              <a14:hiddenLine xmlns:a14="http://schemas.microsoft.com/office/drawing/2010/main" xmlns="" w="9525">
+              <a14:hiddenLine xmlns="" xmlns:a14="http://schemas.microsoft.com/office/drawing/2010/main" w="9525">
                 <a:solidFill>
                   <a:schemeClr val="tx1"/>
                 </a:solidFill>
@@ -3394,7 +3394,7 @@
               </a14:hiddenLine>
             </a:ext>
             <a:ext uri="{AF507438-7753-43e0-B8FC-AC1667EBCBE1}">
-              <a14:hiddenEffects xmlns:a14="http://schemas.microsoft.com/office/drawing/2010/main" xmlns="">
+              <a14:hiddenEffects xmlns="" xmlns:a14="http://schemas.microsoft.com/office/drawing/2010/main">
                 <a:effectLst>
                   <a:outerShdw blurRad="63500" dist="38099" dir="2700000" algn="ctr" rotWithShape="0">
                     <a:schemeClr val="bg2">
@@ -3448,17 +3448,17 @@
           <a:effectLst/>
           <a:extLst>
             <a:ext uri="{FAA26D3D-D897-4be2-8F04-BA451C77F1D7}">
-              <ma14:placeholderFlag xmlns="" xmlns:ma14="http://schemas.microsoft.com/office/mac/drawingml/2011/main" val="1"/>
+              <ma14:placeholderFlag xmlns:ma14="http://schemas.microsoft.com/office/mac/drawingml/2011/main" xmlns="" val="1"/>
             </a:ext>
             <a:ext uri="{909E8E84-426E-40dd-AFC4-6F175D3DCCD1}">
-              <a14:hiddenFill xmlns:a14="http://schemas.microsoft.com/office/drawing/2010/main" xmlns="">
+              <a14:hiddenFill xmlns="" xmlns:a14="http://schemas.microsoft.com/office/drawing/2010/main">
                 <a:solidFill>
                   <a:schemeClr val="accent1"/>
                 </a:solidFill>
               </a14:hiddenFill>
             </a:ext>
             <a:ext uri="{91240B29-F687-4f45-9708-019B960494DF}">
-              <a14:hiddenLine xmlns:a14="http://schemas.microsoft.com/office/drawing/2010/main" xmlns="" w="9525">
+              <a14:hiddenLine xmlns="" xmlns:a14="http://schemas.microsoft.com/office/drawing/2010/main" w="9525">
                 <a:solidFill>
                   <a:schemeClr val="tx1"/>
                 </a:solidFill>
@@ -3468,7 +3468,7 @@
               </a14:hiddenLine>
             </a:ext>
             <a:ext uri="{AF507438-7753-43e0-B8FC-AC1667EBCBE1}">
-              <a14:hiddenEffects xmlns:a14="http://schemas.microsoft.com/office/drawing/2010/main" xmlns="">
+              <a14:hiddenEffects xmlns="" xmlns:a14="http://schemas.microsoft.com/office/drawing/2010/main">
                 <a:effectLst>
                   <a:outerShdw blurRad="63500" dist="38099" dir="2700000" algn="ctr" rotWithShape="0">
                     <a:schemeClr val="bg2">
@@ -3498,7 +3498,7 @@
           <a:p>
             <a:fld id="{638D90FF-A81E-754F-A570-0F4520BDAFF0}" type="datetimeFigureOut">
               <a:rPr lang="en-US" smtClean="0"/>
-              <a:t>5/10/2016</a:t>
+              <a:t>5/11/2016</a:t>
             </a:fld>
             <a:endParaRPr lang="en-US"/>
           </a:p>
@@ -3529,17 +3529,17 @@
           <a:effectLst/>
           <a:extLst>
             <a:ext uri="{FAA26D3D-D897-4be2-8F04-BA451C77F1D7}">
-              <ma14:placeholderFlag xmlns="" xmlns:ma14="http://schemas.microsoft.com/office/mac/drawingml/2011/main" val="1"/>
+              <ma14:placeholderFlag xmlns:ma14="http://schemas.microsoft.com/office/mac/drawingml/2011/main" xmlns="" val="1"/>
             </a:ext>
             <a:ext uri="{909E8E84-426E-40dd-AFC4-6F175D3DCCD1}">
-              <a14:hiddenFill xmlns:a14="http://schemas.microsoft.com/office/drawing/2010/main" xmlns="">
+              <a14:hiddenFill xmlns="" xmlns:a14="http://schemas.microsoft.com/office/drawing/2010/main">
                 <a:solidFill>
                   <a:schemeClr val="accent1"/>
                 </a:solidFill>
               </a14:hiddenFill>
             </a:ext>
             <a:ext uri="{91240B29-F687-4f45-9708-019B960494DF}">
-              <a14:hiddenLine xmlns:a14="http://schemas.microsoft.com/office/drawing/2010/main" xmlns="" w="9525">
+              <a14:hiddenLine xmlns="" xmlns:a14="http://schemas.microsoft.com/office/drawing/2010/main" w="9525">
                 <a:solidFill>
                   <a:schemeClr val="tx1"/>
                 </a:solidFill>
@@ -3549,7 +3549,7 @@
               </a14:hiddenLine>
             </a:ext>
             <a:ext uri="{AF507438-7753-43e0-B8FC-AC1667EBCBE1}">
-              <a14:hiddenEffects xmlns:a14="http://schemas.microsoft.com/office/drawing/2010/main" xmlns="">
+              <a14:hiddenEffects xmlns="" xmlns:a14="http://schemas.microsoft.com/office/drawing/2010/main">
                 <a:effectLst>
                   <a:outerShdw blurRad="63500" dist="38099" dir="2700000" algn="ctr" rotWithShape="0">
                     <a:schemeClr val="bg2">
@@ -3606,17 +3606,17 @@
           <a:effectLst/>
           <a:extLst>
             <a:ext uri="{FAA26D3D-D897-4be2-8F04-BA451C77F1D7}">
-              <ma14:placeholderFlag xmlns="" xmlns:ma14="http://schemas.microsoft.com/office/mac/drawingml/2011/main" val="1"/>
+              <ma14:placeholderFlag xmlns:ma14="http://schemas.microsoft.com/office/mac/drawingml/2011/main" xmlns="" val="1"/>
             </a:ext>
             <a:ext uri="{909E8E84-426E-40dd-AFC4-6F175D3DCCD1}">
-              <a14:hiddenFill xmlns:a14="http://schemas.microsoft.com/office/drawing/2010/main" xmlns="">
+              <a14:hiddenFill xmlns="" xmlns:a14="http://schemas.microsoft.com/office/drawing/2010/main">
                 <a:solidFill>
                   <a:schemeClr val="accent1"/>
                 </a:solidFill>
               </a14:hiddenFill>
             </a:ext>
             <a:ext uri="{91240B29-F687-4f45-9708-019B960494DF}">
-              <a14:hiddenLine xmlns:a14="http://schemas.microsoft.com/office/drawing/2010/main" xmlns="" w="9525">
+              <a14:hiddenLine xmlns="" xmlns:a14="http://schemas.microsoft.com/office/drawing/2010/main" w="9525">
                 <a:solidFill>
                   <a:schemeClr val="tx1"/>
                 </a:solidFill>
@@ -3626,7 +3626,7 @@
               </a14:hiddenLine>
             </a:ext>
             <a:ext uri="{AF507438-7753-43e0-B8FC-AC1667EBCBE1}">
-              <a14:hiddenEffects xmlns:a14="http://schemas.microsoft.com/office/drawing/2010/main" xmlns="">
+              <a14:hiddenEffects xmlns="" xmlns:a14="http://schemas.microsoft.com/office/drawing/2010/main">
                 <a:effectLst>
                   <a:outerShdw blurRad="63500" dist="38099" dir="2700000" algn="ctr" rotWithShape="0">
                     <a:schemeClr val="bg2">
@@ -4093,7 +4093,18 @@
           <a:p>
             <a:r>
               <a:rPr lang="en-US" dirty="0" smtClean="0"/>
-              <a:t>CPE 301 Project Presentation</a:t>
+              <a:t>CPE 301 Project </a:t>
+            </a:r>
+            <a:r>
+              <a:rPr lang="en-US" dirty="0" smtClean="0"/>
+              <a:t>Presentation:</a:t>
+            </a:r>
+            <a:br>
+              <a:rPr lang="en-US" dirty="0" smtClean="0"/>
+            </a:br>
+            <a:r>
+              <a:rPr lang="en-US" smtClean="0"/>
+              <a:t>Heat Check</a:t>
             </a:r>
             <a:endParaRPr lang="en-US" dirty="0"/>
           </a:p>
@@ -4222,8 +4233,9 @@
             </a:pPr>
             <a:r>
               <a:rPr lang="en-US" dirty="0" smtClean="0"/>
-              <a:t>The aim of this project was to introduce myself to creating internet of things designs.</a:t>
-            </a:r>
+              <a:t>Temperature IOT measurement</a:t>
+            </a:r>
+            <a:endParaRPr lang="en-US" dirty="0" smtClean="0"/>
           </a:p>
           <a:p>
             <a:pPr marL="457200" indent="-457200">
@@ -4473,11 +4485,7 @@
             </a:pPr>
             <a:r>
               <a:rPr lang="en-US" dirty="0" smtClean="0"/>
-              <a:t>AVR </a:t>
-            </a:r>
-            <a:r>
-              <a:rPr lang="en-US" dirty="0" smtClean="0"/>
-              <a:t>ATMEGA328p</a:t>
+              <a:t>AVR ATMEGA328p</a:t>
             </a:r>
           </a:p>
           <a:p>
@@ -4487,13 +4495,8 @@
             </a:pPr>
             <a:r>
               <a:rPr lang="en-US" dirty="0" smtClean="0"/>
-              <a:t>DC Power Supply</a:t>
-            </a:r>
-            <a:r>
-              <a:rPr lang="en-US" dirty="0" smtClean="0"/>
-              <a:t> </a:t>
-            </a:r>
-            <a:endParaRPr lang="en-US" dirty="0" smtClean="0"/>
+              <a:t>DC Power Supply </a:t>
+            </a:r>
           </a:p>
           <a:p>
             <a:pPr marL="457200" indent="-457200">
@@ -4798,11 +4801,7 @@
             </a:pPr>
             <a:r>
               <a:rPr lang="en-US" dirty="0" smtClean="0"/>
-              <a:t>Send initialization commands to prepare the sending of </a:t>
-            </a:r>
-            <a:r>
-              <a:rPr lang="en-US" dirty="0" smtClean="0"/>
-              <a:t>strings</a:t>
+              <a:t>Send initialization commands to prepare the sending of strings</a:t>
             </a:r>
           </a:p>
           <a:p>
@@ -4829,13 +4828,8 @@
             </a:pPr>
             <a:r>
               <a:rPr lang="en-US" dirty="0" smtClean="0"/>
-              <a:t>LM34 sends </a:t>
-            </a:r>
-            <a:r>
-              <a:rPr lang="en-US" dirty="0" smtClean="0"/>
-              <a:t>data to Atmega328 through ADC0</a:t>
-            </a:r>
-            <a:endParaRPr lang="en-US" dirty="0" smtClean="0"/>
+              <a:t>LM34 sends data to Atmega328 through ADC0</a:t>
+            </a:r>
           </a:p>
           <a:p>
             <a:pPr>
